--- a/Лекция 10 24_03_2021.pptx
+++ b/Лекция 10 24_03_2021.pptx
@@ -256,7 +256,7 @@
           <a:p>
             <a:fld id="{44DBC884-B382-4302-8488-D4E467EB670D}" type="datetimeFigureOut">
               <a:rPr lang="ru-RU" smtClean="0"/>
-              <a:t>12.02.2021</a:t>
+              <a:t>24.03.2021</a:t>
             </a:fld>
             <a:endParaRPr lang="ru-RU" dirty="0"/>
           </a:p>
@@ -655,7 +655,7 @@
           <a:p>
             <a:fld id="{9F4DF3D0-C105-404D-A43B-7CBA1B97B744}" type="datetimeFigureOut">
               <a:rPr lang="ru-RU" smtClean="0"/>
-              <a:t>12.02.2021</a:t>
+              <a:t>24.03.2021</a:t>
             </a:fld>
             <a:endParaRPr lang="ru-RU" dirty="0"/>
           </a:p>
@@ -825,7 +825,7 @@
           <a:p>
             <a:fld id="{9F4DF3D0-C105-404D-A43B-7CBA1B97B744}" type="datetimeFigureOut">
               <a:rPr lang="ru-RU" smtClean="0"/>
-              <a:t>12.02.2021</a:t>
+              <a:t>24.03.2021</a:t>
             </a:fld>
             <a:endParaRPr lang="ru-RU" dirty="0"/>
           </a:p>
@@ -1005,7 +1005,7 @@
           <a:p>
             <a:fld id="{9F4DF3D0-C105-404D-A43B-7CBA1B97B744}" type="datetimeFigureOut">
               <a:rPr lang="ru-RU" smtClean="0"/>
-              <a:t>12.02.2021</a:t>
+              <a:t>24.03.2021</a:t>
             </a:fld>
             <a:endParaRPr lang="ru-RU" dirty="0"/>
           </a:p>
@@ -1175,7 +1175,7 @@
           <a:p>
             <a:fld id="{9F4DF3D0-C105-404D-A43B-7CBA1B97B744}" type="datetimeFigureOut">
               <a:rPr lang="ru-RU" smtClean="0"/>
-              <a:t>12.02.2021</a:t>
+              <a:t>24.03.2021</a:t>
             </a:fld>
             <a:endParaRPr lang="ru-RU" dirty="0"/>
           </a:p>
@@ -1421,7 +1421,7 @@
           <a:p>
             <a:fld id="{9F4DF3D0-C105-404D-A43B-7CBA1B97B744}" type="datetimeFigureOut">
               <a:rPr lang="ru-RU" smtClean="0"/>
-              <a:t>12.02.2021</a:t>
+              <a:t>24.03.2021</a:t>
             </a:fld>
             <a:endParaRPr lang="ru-RU" dirty="0"/>
           </a:p>
@@ -1653,7 +1653,7 @@
           <a:p>
             <a:fld id="{9F4DF3D0-C105-404D-A43B-7CBA1B97B744}" type="datetimeFigureOut">
               <a:rPr lang="ru-RU" smtClean="0"/>
-              <a:t>12.02.2021</a:t>
+              <a:t>24.03.2021</a:t>
             </a:fld>
             <a:endParaRPr lang="ru-RU" dirty="0"/>
           </a:p>
@@ -2020,7 +2020,7 @@
           <a:p>
             <a:fld id="{9F4DF3D0-C105-404D-A43B-7CBA1B97B744}" type="datetimeFigureOut">
               <a:rPr lang="ru-RU" smtClean="0"/>
-              <a:t>12.02.2021</a:t>
+              <a:t>24.03.2021</a:t>
             </a:fld>
             <a:endParaRPr lang="ru-RU" dirty="0"/>
           </a:p>
@@ -2138,7 +2138,7 @@
           <a:p>
             <a:fld id="{9F4DF3D0-C105-404D-A43B-7CBA1B97B744}" type="datetimeFigureOut">
               <a:rPr lang="ru-RU" smtClean="0"/>
-              <a:t>12.02.2021</a:t>
+              <a:t>24.03.2021</a:t>
             </a:fld>
             <a:endParaRPr lang="ru-RU" dirty="0"/>
           </a:p>
@@ -2233,7 +2233,7 @@
           <a:p>
             <a:fld id="{9F4DF3D0-C105-404D-A43B-7CBA1B97B744}" type="datetimeFigureOut">
               <a:rPr lang="ru-RU" smtClean="0"/>
-              <a:t>12.02.2021</a:t>
+              <a:t>24.03.2021</a:t>
             </a:fld>
             <a:endParaRPr lang="ru-RU" dirty="0"/>
           </a:p>
@@ -2510,7 +2510,7 @@
           <a:p>
             <a:fld id="{9F4DF3D0-C105-404D-A43B-7CBA1B97B744}" type="datetimeFigureOut">
               <a:rPr lang="ru-RU" smtClean="0"/>
-              <a:t>12.02.2021</a:t>
+              <a:t>24.03.2021</a:t>
             </a:fld>
             <a:endParaRPr lang="ru-RU" dirty="0"/>
           </a:p>
@@ -2763,7 +2763,7 @@
           <a:p>
             <a:fld id="{9F4DF3D0-C105-404D-A43B-7CBA1B97B744}" type="datetimeFigureOut">
               <a:rPr lang="ru-RU" smtClean="0"/>
-              <a:t>12.02.2021</a:t>
+              <a:t>24.03.2021</a:t>
             </a:fld>
             <a:endParaRPr lang="ru-RU" dirty="0"/>
           </a:p>
@@ -2976,7 +2976,7 @@
           <a:p>
             <a:fld id="{9F4DF3D0-C105-404D-A43B-7CBA1B97B744}" type="datetimeFigureOut">
               <a:rPr lang="ru-RU" smtClean="0"/>
-              <a:t>12.02.2021</a:t>
+              <a:t>24.03.2021</a:t>
             </a:fld>
             <a:endParaRPr lang="ru-RU" dirty="0"/>
           </a:p>
@@ -9152,7 +9152,15 @@
             </a:r>
             <a:r>
               <a:rPr lang="ru-RU" dirty="0" smtClean="0"/>
-              <a:t>вычисляются по одному, случайно выбранному элементу данных.</a:t>
+              <a:t>вычисляются по одному, случайно выбранному</a:t>
+            </a:r>
+            <a:r>
+              <a:rPr lang="en-US" dirty="0"/>
+              <a:t>,</a:t>
+            </a:r>
+            <a:r>
+              <a:rPr lang="ru-RU" dirty="0" smtClean="0"/>
+              <a:t> элементу данных.</a:t>
             </a:r>
           </a:p>
           <a:p>
@@ -13134,7 +13142,6 @@
               <a:rPr lang="ru-RU" altLang="ru-RU" dirty="0" smtClean="0"/>
               <a:t>Инициализация нулями</a:t>
             </a:r>
-            <a:endParaRPr lang="ru-RU" altLang="ru-RU" dirty="0" smtClean="0"/>
           </a:p>
         </p:txBody>
       </p:sp>
@@ -13376,7 +13383,7 @@
                 <a:tab pos="8686800" algn="l"/>
               </a:tabLst>
             </a:pPr>
-            <a:endParaRPr lang="ru-RU" altLang="ru-RU" dirty="0"/>
+            <a:endParaRPr lang="ru-RU" altLang="ru-RU" dirty="0" smtClean="0"/>
           </a:p>
           <a:p>
             <a:pPr marL="0" indent="0">
@@ -13482,7 +13489,6 @@
               <a:rPr lang="ru-RU" altLang="ru-RU" dirty="0" smtClean="0"/>
               <a:t>Если веса очень велики, то скорость обучения очень низкая.</a:t>
             </a:r>
-            <a:endParaRPr lang="ru-RU" altLang="ru-RU" dirty="0" smtClean="0"/>
           </a:p>
         </p:txBody>
       </p:sp>
@@ -13661,11 +13667,7 @@
             </a:pPr>
             <a:r>
               <a:rPr lang="ru-RU" altLang="ru-RU" dirty="0" smtClean="0"/>
-              <a:t>близкие к нулю веса уже не могут вырасти и всегда остаются близкими к нул</a:t>
-            </a:r>
-            <a:r>
-              <a:rPr lang="ru-RU" altLang="ru-RU" dirty="0" smtClean="0"/>
-              <a:t>ю, особенно в сетях с большим количеством скрытых слоёв.</a:t>
+              <a:t>близкие к нулю веса уже не могут вырасти и всегда остаются близкими к нулю, особенно в сетях с большим количеством скрытых слоёв.</a:t>
             </a:r>
           </a:p>
           <a:p>
@@ -13777,7 +13779,6 @@
               <a:rPr lang="ru-RU" altLang="ru-RU" dirty="0" smtClean="0"/>
               <a:t>, большие значения весов становятся при обновлениях всё больше и больше.</a:t>
             </a:r>
-            <a:endParaRPr lang="ru-RU" altLang="ru-RU" dirty="0" smtClean="0"/>
           </a:p>
         </p:txBody>
       </p:sp>
@@ -13873,8 +13874,8 @@
           </a:p>
         </p:txBody>
       </p:sp>
-      <mc:AlternateContent xmlns:mc="http://schemas.openxmlformats.org/markup-compatibility/2006">
-        <mc:Choice xmlns:a14="http://schemas.microsoft.com/office/drawing/2010/main" Requires="a14">
+      <mc:AlternateContent xmlns:mc="http://schemas.openxmlformats.org/markup-compatibility/2006" xmlns:a14="http://schemas.microsoft.com/office/drawing/2010/main">
+        <mc:Choice Requires="a14">
           <p:sp>
             <p:nvSpPr>
               <p:cNvPr id="3" name="Объект 2"/>
@@ -14398,12 +14399,11 @@
                   <a:rPr lang="ru-RU" altLang="ru-RU" dirty="0" smtClean="0"/>
                   <a:t> - количество нейронов на входе и выходе соответственно.</a:t>
                 </a:r>
-                <a:endParaRPr lang="ru-RU" altLang="ru-RU" dirty="0" smtClean="0"/>
               </a:p>
             </p:txBody>
           </p:sp>
         </mc:Choice>
-        <mc:Fallback>
+        <mc:Fallback xmlns="">
           <p:sp>
             <p:nvSpPr>
               <p:cNvPr id="3" name="Объект 2"/>
@@ -15783,8 +15783,8 @@
           </a:fontRef>
         </p:style>
       </p:cxnSp>
-      <mc:AlternateContent xmlns:mc="http://schemas.openxmlformats.org/markup-compatibility/2006">
-        <mc:Choice xmlns:a14="http://schemas.microsoft.com/office/drawing/2010/main" Requires="a14">
+      <mc:AlternateContent xmlns:mc="http://schemas.openxmlformats.org/markup-compatibility/2006" xmlns:a14="http://schemas.microsoft.com/office/drawing/2010/main">
+        <mc:Choice Requires="a14">
           <p:sp>
             <p:nvSpPr>
               <p:cNvPr id="65" name="Прямоугольник 64"/>
@@ -15806,6 +15806,7 @@
               </a:bodyPr>
               <a:lstStyle/>
               <a:p>
+                <a:pPr/>
                 <a14:m>
                   <m:oMathPara xmlns:m="http://schemas.openxmlformats.org/officeDocument/2006/math">
                     <m:oMathParaPr>
@@ -15845,7 +15846,7 @@
             </p:txBody>
           </p:sp>
         </mc:Choice>
-        <mc:Fallback>
+        <mc:Fallback xmlns="">
           <p:sp>
             <p:nvSpPr>
               <p:cNvPr id="65" name="Прямоугольник 64"/>
@@ -15884,8 +15885,8 @@
           </p:sp>
         </mc:Fallback>
       </mc:AlternateContent>
-      <mc:AlternateContent xmlns:mc="http://schemas.openxmlformats.org/markup-compatibility/2006">
-        <mc:Choice xmlns:a14="http://schemas.microsoft.com/office/drawing/2010/main" Requires="a14">
+      <mc:AlternateContent xmlns:mc="http://schemas.openxmlformats.org/markup-compatibility/2006" xmlns:a14="http://schemas.microsoft.com/office/drawing/2010/main">
+        <mc:Choice Requires="a14">
           <p:sp>
             <p:nvSpPr>
               <p:cNvPr id="66" name="Прямоугольник 65"/>
@@ -15907,6 +15908,7 @@
               </a:bodyPr>
               <a:lstStyle/>
               <a:p>
+                <a:pPr/>
                 <a14:m>
                   <m:oMathPara xmlns:m="http://schemas.openxmlformats.org/officeDocument/2006/math">
                     <m:oMathParaPr>
@@ -15946,7 +15948,7 @@
             </p:txBody>
           </p:sp>
         </mc:Choice>
-        <mc:Fallback>
+        <mc:Fallback xmlns="">
           <p:sp>
             <p:nvSpPr>
               <p:cNvPr id="66" name="Прямоугольник 65"/>
@@ -16198,12 +16200,12 @@
               <a:t>к </a:t>
             </a:r>
             <a:r>
-              <a:rPr lang="ru-RU" altLang="ru-RU" dirty="0" smtClean="0"/>
+              <a:rPr lang="ru-RU" altLang="ru-RU" smtClean="0"/>
               <a:t>шуму </a:t>
             </a:r>
             <a:r>
-              <a:rPr lang="ru-RU" altLang="ru-RU" dirty="0"/>
-              <a:t>во </a:t>
+              <a:rPr lang="ru-RU" altLang="ru-RU" smtClean="0"/>
+              <a:t>в </a:t>
             </a:r>
             <a:r>
               <a:rPr lang="ru-RU" altLang="ru-RU" dirty="0" smtClean="0"/>
@@ -16525,7 +16527,6 @@
               <a:rPr lang="ru-RU" altLang="ru-RU" dirty="0" smtClean="0"/>
               <a:t>Низкая интерпретируемость.</a:t>
             </a:r>
-            <a:endParaRPr lang="ru-RU" altLang="ru-RU" dirty="0" smtClean="0"/>
           </a:p>
         </p:txBody>
       </p:sp>
@@ -18818,7 +18819,15 @@
           <a:p>
             <a:r>
               <a:rPr lang="ru-RU" dirty="0"/>
-              <a:t>Выходные значения передаются на выходные нейроны напрямую, базе изменений</a:t>
+              <a:t>Выходные значения передаются на выходные нейроны напрямую, </a:t>
+            </a:r>
+            <a:r>
+              <a:rPr lang="ru-RU" dirty="0" smtClean="0"/>
+              <a:t>без </a:t>
+            </a:r>
+            <a:r>
+              <a:rPr lang="ru-RU" dirty="0"/>
+              <a:t>изменений</a:t>
             </a:r>
             <a:r>
               <a:rPr lang="ru-RU" dirty="0" smtClean="0"/>
@@ -19302,7 +19311,19 @@
             </a:pPr>
             <a:r>
               <a:rPr lang="ru-RU" dirty="0"/>
-              <a:t>Что из нижеперечисленного не является гиперпараметров алгоритма построения искусственной нейронной сети</a:t>
+              <a:t>Что из нижеперечисленного не является </a:t>
+            </a:r>
+            <a:r>
+              <a:rPr lang="ru-RU" dirty="0" err="1" smtClean="0"/>
+              <a:t>гиперпараметром</a:t>
+            </a:r>
+            <a:r>
+              <a:rPr lang="ru-RU" dirty="0" smtClean="0"/>
+              <a:t> </a:t>
+            </a:r>
+            <a:r>
+              <a:rPr lang="ru-RU" dirty="0"/>
+              <a:t>алгоритма построения искусственной нейронной сети</a:t>
             </a:r>
             <a:r>
               <a:rPr lang="ru-RU" dirty="0" smtClean="0"/>
@@ -19468,7 +19489,6 @@
               <a:rPr lang="ru-RU" dirty="0"/>
               <a:t>Длительный процесс обучения.</a:t>
             </a:r>
-            <a:endParaRPr lang="ru-RU" dirty="0"/>
           </a:p>
         </p:txBody>
       </p:sp>
@@ -19805,7 +19825,23 @@
                 </a:pPr>
                 <a:r>
                   <a:rPr lang="ru-RU" altLang="ru-RU" dirty="0" smtClean="0"/>
-                  <a:t>Функция активации нейронов в слоях S и A:</a:t>
+                  <a:t>Функция активации нейронов в слоях </a:t>
+                </a:r>
+                <a:r>
+                  <a:rPr lang="ru-RU" altLang="ru-RU" i="1" dirty="0" smtClean="0"/>
+                  <a:t>S</a:t>
+                </a:r>
+                <a:r>
+                  <a:rPr lang="ru-RU" altLang="ru-RU" dirty="0" smtClean="0"/>
+                  <a:t> и </a:t>
+                </a:r>
+                <a:r>
+                  <a:rPr lang="ru-RU" altLang="ru-RU" i="1" dirty="0" smtClean="0"/>
+                  <a:t>A</a:t>
+                </a:r>
+                <a:r>
+                  <a:rPr lang="ru-RU" altLang="ru-RU" dirty="0" smtClean="0"/>
+                  <a:t>:</a:t>
                 </a:r>
                 <a:endParaRPr lang="en-US" altLang="ru-RU" dirty="0" smtClean="0"/>
               </a:p>
@@ -20051,7 +20087,11 @@
                 </a:r>
                 <a:r>
                   <a:rPr lang="ru-RU" altLang="ru-RU" dirty="0"/>
-                  <a:t>активации нейронов в слое R</a:t>
+                  <a:t>активации нейронов в слое </a:t>
+                </a:r>
+                <a:r>
+                  <a:rPr lang="ru-RU" altLang="ru-RU" i="1" dirty="0"/>
+                  <a:t>R</a:t>
                 </a:r>
                 <a:r>
                   <a:rPr lang="ru-RU" altLang="ru-RU" dirty="0" smtClean="0"/>
